--- a/DBIFinalProjectPresentation_20thNov2017.pptx
+++ b/DBIFinalProjectPresentation_20thNov2017.pptx
@@ -11,17 +11,20 @@
     <p:sldId id="260" r:id="rId5"/>
     <p:sldId id="261" r:id="rId6"/>
     <p:sldId id="262" r:id="rId7"/>
-    <p:sldId id="263" r:id="rId8"/>
-    <p:sldId id="275" r:id="rId9"/>
-    <p:sldId id="276" r:id="rId10"/>
-    <p:sldId id="266" r:id="rId11"/>
+    <p:sldId id="275" r:id="rId8"/>
+    <p:sldId id="263" r:id="rId9"/>
+    <p:sldId id="279" r:id="rId10"/>
+    <p:sldId id="276" r:id="rId11"/>
     <p:sldId id="267" r:id="rId12"/>
     <p:sldId id="268" r:id="rId13"/>
-    <p:sldId id="269" r:id="rId14"/>
-    <p:sldId id="273" r:id="rId15"/>
-    <p:sldId id="270" r:id="rId16"/>
-    <p:sldId id="271" r:id="rId17"/>
-    <p:sldId id="272" r:id="rId18"/>
+    <p:sldId id="280" r:id="rId14"/>
+    <p:sldId id="269" r:id="rId15"/>
+    <p:sldId id="281" r:id="rId16"/>
+    <p:sldId id="278" r:id="rId17"/>
+    <p:sldId id="273" r:id="rId18"/>
+    <p:sldId id="270" r:id="rId19"/>
+    <p:sldId id="271" r:id="rId20"/>
+    <p:sldId id="272" r:id="rId21"/>
   </p:sldIdLst>
   <p:sldSz cx="9144000" cy="6858000" type="screen4x3"/>
   <p:notesSz cx="6858000" cy="9144000"/>
@@ -280,7 +283,7 @@
           <p:nvPr/>
         </p:nvPicPr>
         <mc:AlternateContent xmlns:mc="http://schemas.openxmlformats.org/markup-compatibility/2006">
-          <mc:Choice xmlns:ma="http://schemas.microsoft.com/office/mac/drawingml/2008/main" xmlns:mv="urn:schemas-microsoft-com:mac:vml" xmlns="" Requires="ma">
+          <mc:Choice xmlns="" xmlns:mv="urn:schemas-microsoft-com:mac:vml" xmlns:ma="http://schemas.microsoft.com/office/mac/drawingml/2008/main" Requires="ma">
             <p:blipFill>
               <a:blip r:embed="rId3"/>
               <a:stretch>
@@ -316,7 +319,7 @@
           <p:nvPr/>
         </p:nvPicPr>
         <mc:AlternateContent xmlns:mc="http://schemas.openxmlformats.org/markup-compatibility/2006">
-          <mc:Choice xmlns:ma="http://schemas.microsoft.com/office/mac/drawingml/2008/main" xmlns:mv="urn:schemas-microsoft-com:mac:vml" xmlns="" Requires="ma">
+          <mc:Choice xmlns="" xmlns:mv="urn:schemas-microsoft-com:mac:vml" xmlns:ma="http://schemas.microsoft.com/office/mac/drawingml/2008/main" Requires="ma">
             <p:blipFill>
               <a:blip r:embed="rId7"/>
               <a:stretch>
@@ -352,7 +355,7 @@
           <p:nvPr/>
         </p:nvPicPr>
         <mc:AlternateContent xmlns:mc="http://schemas.openxmlformats.org/markup-compatibility/2006">
-          <mc:Choice xmlns:ma="http://schemas.microsoft.com/office/mac/drawingml/2008/main" xmlns:mv="urn:schemas-microsoft-com:mac:vml" xmlns="" Requires="ma">
+          <mc:Choice xmlns="" xmlns:mv="urn:schemas-microsoft-com:mac:vml" xmlns:ma="http://schemas.microsoft.com/office/mac/drawingml/2008/main" Requires="ma">
             <p:blipFill>
               <a:blip r:embed="rId9"/>
               <a:stretch>
@@ -760,7 +763,7 @@
           <p:nvPr/>
         </p:nvPicPr>
         <mc:AlternateContent xmlns:mc="http://schemas.openxmlformats.org/markup-compatibility/2006">
-          <mc:Choice xmlns:ma="http://schemas.microsoft.com/office/mac/drawingml/2008/main" xmlns:mv="urn:schemas-microsoft-com:mac:vml" xmlns="" Requires="ma">
+          <mc:Choice xmlns="" xmlns:mv="urn:schemas-microsoft-com:mac:vml" xmlns:ma="http://schemas.microsoft.com/office/mac/drawingml/2008/main" Requires="ma">
             <p:blipFill>
               <a:blip r:embed="rId3"/>
               <a:stretch>
@@ -796,7 +799,7 @@
           <p:nvPr/>
         </p:nvPicPr>
         <mc:AlternateContent xmlns:mc="http://schemas.openxmlformats.org/markup-compatibility/2006">
-          <mc:Choice xmlns:ma="http://schemas.microsoft.com/office/mac/drawingml/2008/main" xmlns:mv="urn:schemas-microsoft-com:mac:vml" xmlns="" Requires="ma">
+          <mc:Choice xmlns="" xmlns:mv="urn:schemas-microsoft-com:mac:vml" xmlns:ma="http://schemas.microsoft.com/office/mac/drawingml/2008/main" Requires="ma">
             <p:blipFill>
               <a:blip r:embed="rId9"/>
               <a:stretch>
@@ -832,7 +835,7 @@
           <p:nvPr/>
         </p:nvPicPr>
         <mc:AlternateContent xmlns:mc="http://schemas.openxmlformats.org/markup-compatibility/2006">
-          <mc:Choice xmlns:ma="http://schemas.microsoft.com/office/mac/drawingml/2008/main" xmlns:mv="urn:schemas-microsoft-com:mac:vml" xmlns="" Requires="ma">
+          <mc:Choice xmlns="" xmlns:mv="urn:schemas-microsoft-com:mac:vml" xmlns:ma="http://schemas.microsoft.com/office/mac/drawingml/2008/main" Requires="ma">
             <p:blipFill>
               <a:blip r:embed="rId11"/>
               <a:stretch>
@@ -1485,7 +1488,7 @@
           <a:p>
             <a:r>
               <a:rPr lang="en-US" sz="2800" b="1" i="1" dirty="0"/>
-              <a:t>RDF REPRESENTAION OF DATASET </a:t>
+              <a:t>TTL REPRESENTAION OF DATASET </a:t>
             </a:r>
             <a:endParaRPr lang="en-US" dirty="0"/>
           </a:p>
@@ -1589,10 +1592,10 @@
       </p:grpSpPr>
       <p:sp>
         <p:nvSpPr>
-          <p:cNvPr id="2" name="TextBox 1">
+          <p:cNvPr id="3" name="TextBox 2">
             <a:extLst>
               <a:ext uri="{FF2B5EF4-FFF2-40B4-BE49-F238E27FC236}">
-                <a16:creationId xmlns:a16="http://schemas.microsoft.com/office/drawing/2014/main" id="{E0D25419-C329-44FF-8BCB-36CF66CA4D2E}"/>
+                <a16:creationId xmlns:a16="http://schemas.microsoft.com/office/drawing/2014/main" id="{8E4A8B76-5E61-4265-BAB8-2AC11F2D5AD3}"/>
               </a:ext>
             </a:extLst>
           </p:cNvPr>
@@ -1601,8 +1604,8 @@
         </p:nvSpPr>
         <p:spPr>
           <a:xfrm>
-            <a:off x="561564" y="226869"/>
-            <a:ext cx="7526216" cy="523220"/>
+            <a:off x="281354" y="393895"/>
+            <a:ext cx="7132320" cy="369332"/>
           </a:xfrm>
           <a:prstGeom prst="rect">
             <a:avLst/>
@@ -1616,48 +1619,8 @@
           <a:lstStyle/>
           <a:p>
             <a:r>
-              <a:rPr lang="en-US" sz="2800" b="1" i="1" dirty="0"/>
-              <a:t>ANALYSIS OF RESULTS  </a:t>
-            </a:r>
-            <a:endParaRPr lang="en-US" dirty="0"/>
-          </a:p>
-        </p:txBody>
-      </p:sp>
-      <p:sp>
-        <p:nvSpPr>
-          <p:cNvPr id="3" name="TextBox 2">
-            <a:extLst>
-              <a:ext uri="{FF2B5EF4-FFF2-40B4-BE49-F238E27FC236}">
-                <a16:creationId xmlns:a16="http://schemas.microsoft.com/office/drawing/2014/main" id="{2EEFB29B-D356-408E-BE5C-07C4AC842DE5}"/>
-              </a:ext>
-            </a:extLst>
-          </p:cNvPr>
-          <p:cNvSpPr txBox="1"/>
-          <p:nvPr/>
-        </p:nvSpPr>
-        <p:spPr>
-          <a:xfrm>
-            <a:off x="1658844" y="2651311"/>
-            <a:ext cx="5331655" cy="830997"/>
-          </a:xfrm>
-          <a:prstGeom prst="rect">
-            <a:avLst/>
-          </a:prstGeom>
-          <a:noFill/>
-        </p:spPr>
-        <p:txBody>
-          <a:bodyPr wrap="square" rtlCol="0">
-            <a:spAutoFit/>
-          </a:bodyPr>
-          <a:lstStyle/>
-          <a:p>
-            <a:r>
-              <a:rPr lang="en-US" sz="4800" dirty="0">
-                <a:solidFill>
-                  <a:srgbClr val="000000"/>
-                </a:solidFill>
-              </a:rPr>
-              <a:t>				DEMO…</a:t>
+              <a:rPr lang="en-US" dirty="0"/>
+              <a:t>FEDERATED ONTOLOGY</a:t>
             </a:r>
           </a:p>
         </p:txBody>
@@ -1665,7 +1628,7 @@
     </p:spTree>
     <p:extLst>
       <p:ext uri="{BB962C8B-B14F-4D97-AF65-F5344CB8AC3E}">
-        <p14:creationId xmlns:p14="http://schemas.microsoft.com/office/powerpoint/2010/main" val="1597309092"/>
+        <p14:creationId xmlns:p14="http://schemas.microsoft.com/office/powerpoint/2010/main" val="2281301417"/>
       </p:ext>
     </p:extLst>
   </p:cSld>
@@ -1694,10 +1657,10 @@
       </p:grpSpPr>
       <p:sp>
         <p:nvSpPr>
-          <p:cNvPr id="2" name="TextBox 1">
+          <p:cNvPr id="3" name="TextBox 2">
             <a:extLst>
               <a:ext uri="{FF2B5EF4-FFF2-40B4-BE49-F238E27FC236}">
-                <a16:creationId xmlns:a16="http://schemas.microsoft.com/office/drawing/2014/main" id="{E0D25419-C329-44FF-8BCB-36CF66CA4D2E}"/>
+                <a16:creationId xmlns:a16="http://schemas.microsoft.com/office/drawing/2014/main" id="{2EEFB29B-D356-408E-BE5C-07C4AC842DE5}"/>
               </a:ext>
             </a:extLst>
           </p:cNvPr>
@@ -1706,8 +1669,8 @@
         </p:nvSpPr>
         <p:spPr>
           <a:xfrm>
-            <a:off x="561564" y="226869"/>
-            <a:ext cx="7526216" cy="523220"/>
+            <a:off x="1729182" y="2299619"/>
+            <a:ext cx="5331655" cy="830997"/>
           </a:xfrm>
           <a:prstGeom prst="rect">
             <a:avLst/>
@@ -1721,143 +1684,20 @@
           <a:lstStyle/>
           <a:p>
             <a:r>
-              <a:rPr lang="en-US" sz="2800" b="1" i="1" dirty="0"/>
-              <a:t>CHALLENGES FACED</a:t>
-            </a:r>
-            <a:endParaRPr lang="en-US" dirty="0"/>
-          </a:p>
-        </p:txBody>
-      </p:sp>
-      <p:sp>
-        <p:nvSpPr>
-          <p:cNvPr id="3" name="TextBox 2">
-            <a:extLst>
-              <a:ext uri="{FF2B5EF4-FFF2-40B4-BE49-F238E27FC236}">
-                <a16:creationId xmlns:a16="http://schemas.microsoft.com/office/drawing/2014/main" id="{F6918784-0796-47A8-BB3B-FA80435D81D8}"/>
-              </a:ext>
-            </a:extLst>
-          </p:cNvPr>
-          <p:cNvSpPr txBox="1"/>
-          <p:nvPr/>
-        </p:nvSpPr>
-        <p:spPr>
-          <a:xfrm>
-            <a:off x="561564" y="1237957"/>
-            <a:ext cx="8047864" cy="1631216"/>
-          </a:xfrm>
-          <a:prstGeom prst="rect">
-            <a:avLst/>
-          </a:prstGeom>
-          <a:noFill/>
-        </p:spPr>
-        <p:txBody>
-          <a:bodyPr wrap="square" rtlCol="0">
-            <a:spAutoFit/>
-          </a:bodyPr>
-          <a:lstStyle/>
-          <a:p>
-            <a:pPr marL="285750" indent="-285750">
-              <a:buFont typeface="Arial" panose="020B0604020202020204" pitchFamily="34" charset="0"/>
-              <a:buChar char="•"/>
-            </a:pPr>
-            <a:r>
-              <a:rPr lang="en-US" sz="2000" dirty="0">
+              <a:rPr lang="en-US" sz="4800" dirty="0">
                 <a:solidFill>
                   <a:srgbClr val="000000"/>
                 </a:solidFill>
               </a:rPr>
-              <a:t>Choosing the right dataset</a:t>
-            </a:r>
-          </a:p>
-          <a:p>
-            <a:pPr marL="285750" indent="-285750">
-              <a:buFont typeface="Arial" panose="020B0604020202020204" pitchFamily="34" charset="0"/>
-              <a:buChar char="•"/>
-            </a:pPr>
-            <a:r>
-              <a:rPr lang="en-US" sz="2000" dirty="0">
-                <a:solidFill>
-                  <a:srgbClr val="000000"/>
-                </a:solidFill>
-              </a:rPr>
-              <a:t>Finalizing and usage of new technologies</a:t>
-            </a:r>
-          </a:p>
-          <a:p>
-            <a:pPr marL="285750" indent="-285750">
-              <a:buFont typeface="Arial" panose="020B0604020202020204" pitchFamily="34" charset="0"/>
-              <a:buChar char="•"/>
-            </a:pPr>
-            <a:r>
-              <a:rPr lang="en-US" sz="2000" dirty="0">
-                <a:solidFill>
-                  <a:srgbClr val="000000"/>
-                </a:solidFill>
-              </a:rPr>
-              <a:t>Analysis of data sources</a:t>
-            </a:r>
-          </a:p>
-          <a:p>
-            <a:pPr marL="285750" indent="-285750">
-              <a:buFont typeface="Arial" panose="020B0604020202020204" pitchFamily="34" charset="0"/>
-              <a:buChar char="•"/>
-            </a:pPr>
-            <a:r>
-              <a:rPr lang="en-US" sz="2000" dirty="0">
-                <a:solidFill>
-                  <a:srgbClr val="000000"/>
-                </a:solidFill>
-              </a:rPr>
-              <a:t>Derivation of Interesting stats from the federated ontology</a:t>
-            </a:r>
-          </a:p>
-          <a:p>
-            <a:pPr marL="285750" indent="-285750">
-              <a:buFont typeface="Arial" panose="020B0604020202020204" pitchFamily="34" charset="0"/>
-              <a:buChar char="•"/>
-            </a:pPr>
-            <a:endParaRPr lang="en-US" sz="2000" dirty="0">
-              <a:solidFill>
-                <a:srgbClr val="000000"/>
-              </a:solidFill>
-            </a:endParaRPr>
+              <a:t>				DEMO…</a:t>
+            </a:r>
           </a:p>
         </p:txBody>
       </p:sp>
-      <p:pic>
-        <p:nvPicPr>
-          <p:cNvPr id="5" name="Picture 4">
-            <a:extLst>
-              <a:ext uri="{FF2B5EF4-FFF2-40B4-BE49-F238E27FC236}">
-                <a16:creationId xmlns:a16="http://schemas.microsoft.com/office/drawing/2014/main" id="{7EC813E8-78D3-444C-ADA9-346663CBD57C}"/>
-              </a:ext>
-            </a:extLst>
-          </p:cNvPr>
-          <p:cNvPicPr>
-            <a:picLocks noChangeAspect="1"/>
-          </p:cNvPicPr>
-          <p:nvPr/>
-        </p:nvPicPr>
-        <p:blipFill>
-          <a:blip r:embed="rId2"/>
-          <a:stretch>
-            <a:fillRect/>
-          </a:stretch>
-        </p:blipFill>
-        <p:spPr>
-          <a:xfrm>
-            <a:off x="3617381" y="3236375"/>
-            <a:ext cx="2438400" cy="1876425"/>
-          </a:xfrm>
-          <a:prstGeom prst="rect">
-            <a:avLst/>
-          </a:prstGeom>
-        </p:spPr>
-      </p:pic>
     </p:spTree>
     <p:extLst>
       <p:ext uri="{BB962C8B-B14F-4D97-AF65-F5344CB8AC3E}">
-        <p14:creationId xmlns:p14="http://schemas.microsoft.com/office/powerpoint/2010/main" val="269418586"/>
+        <p14:creationId xmlns:p14="http://schemas.microsoft.com/office/powerpoint/2010/main" val="1597309092"/>
       </p:ext>
     </p:extLst>
   </p:cSld>
@@ -1886,10 +1726,10 @@
       </p:grpSpPr>
       <p:sp>
         <p:nvSpPr>
-          <p:cNvPr id="2" name="TextBox 1">
+          <p:cNvPr id="3" name="TextBox 2">
             <a:extLst>
               <a:ext uri="{FF2B5EF4-FFF2-40B4-BE49-F238E27FC236}">
-                <a16:creationId xmlns:a16="http://schemas.microsoft.com/office/drawing/2014/main" id="{E0D25419-C329-44FF-8BCB-36CF66CA4D2E}"/>
+                <a16:creationId xmlns:a16="http://schemas.microsoft.com/office/drawing/2014/main" id="{67DCF171-355D-41A8-81F8-F58E879147FA}"/>
               </a:ext>
             </a:extLst>
           </p:cNvPr>
@@ -1898,8 +1738,8 @@
         </p:nvSpPr>
         <p:spPr>
           <a:xfrm>
-            <a:off x="561564" y="226869"/>
-            <a:ext cx="7526216" cy="523220"/>
+            <a:off x="168812" y="365760"/>
+            <a:ext cx="7990450" cy="369332"/>
           </a:xfrm>
           <a:prstGeom prst="rect">
             <a:avLst/>
@@ -1913,200 +1753,16 @@
           <a:lstStyle/>
           <a:p>
             <a:r>
-              <a:rPr lang="en-US" sz="2800" b="1" i="1" dirty="0"/>
-              <a:t>CONCLUSION</a:t>
-            </a:r>
-            <a:endParaRPr lang="en-US" dirty="0"/>
+              <a:rPr lang="en-US" dirty="0"/>
+              <a:t>WHERE WE STARTED FROM ?</a:t>
+            </a:r>
           </a:p>
         </p:txBody>
       </p:sp>
-      <p:sp>
-        <p:nvSpPr>
-          <p:cNvPr id="4" name="TextBox 3">
-            <a:extLst>
-              <a:ext uri="{FF2B5EF4-FFF2-40B4-BE49-F238E27FC236}">
-                <a16:creationId xmlns:a16="http://schemas.microsoft.com/office/drawing/2014/main" id="{8CDE17C7-B815-4F13-9530-34A97AA41974}"/>
-              </a:ext>
-            </a:extLst>
-          </p:cNvPr>
-          <p:cNvSpPr txBox="1"/>
-          <p:nvPr/>
-        </p:nvSpPr>
-        <p:spPr>
-          <a:xfrm>
-            <a:off x="675249" y="1167618"/>
-            <a:ext cx="7877908" cy="2554545"/>
-          </a:xfrm>
-          <a:prstGeom prst="rect">
-            <a:avLst/>
-          </a:prstGeom>
-          <a:noFill/>
-        </p:spPr>
-        <p:txBody>
-          <a:bodyPr wrap="square" rtlCol="0">
-            <a:spAutoFit/>
-          </a:bodyPr>
-          <a:lstStyle/>
-          <a:p>
-            <a:pPr marL="285750" indent="-285750">
-              <a:buFont typeface="Arial" panose="020B0604020202020204" pitchFamily="34" charset="0"/>
-              <a:buChar char="•"/>
-            </a:pPr>
-            <a:r>
-              <a:rPr lang="en-US" sz="2000" dirty="0">
-                <a:solidFill>
-                  <a:srgbClr val="000000"/>
-                </a:solidFill>
-              </a:rPr>
-              <a:t>Analysis of the Surprising Results of the US Elections 2016</a:t>
-            </a:r>
-          </a:p>
-          <a:p>
-            <a:pPr marL="285750" indent="-285750">
-              <a:buFont typeface="Arial" panose="020B0604020202020204" pitchFamily="34" charset="0"/>
-              <a:buChar char="•"/>
-            </a:pPr>
-            <a:r>
-              <a:rPr lang="en-US" sz="2000" dirty="0">
-                <a:solidFill>
-                  <a:srgbClr val="000000"/>
-                </a:solidFill>
-              </a:rPr>
-              <a:t>Collection of Data Sources from </a:t>
-            </a:r>
-            <a:r>
-              <a:rPr lang="en-US" sz="2000" dirty="0" err="1">
-                <a:solidFill>
-                  <a:srgbClr val="000000"/>
-                </a:solidFill>
-              </a:rPr>
-              <a:t>Kaggle</a:t>
-            </a:r>
-            <a:endParaRPr lang="en-US" sz="2000" dirty="0">
-              <a:solidFill>
-                <a:srgbClr val="000000"/>
-              </a:solidFill>
-            </a:endParaRPr>
-          </a:p>
-          <a:p>
-            <a:pPr marL="285750" indent="-285750">
-              <a:buFont typeface="Arial" panose="020B0604020202020204" pitchFamily="34" charset="0"/>
-              <a:buChar char="•"/>
-            </a:pPr>
-            <a:r>
-              <a:rPr lang="en-US" sz="2000" dirty="0">
-                <a:solidFill>
-                  <a:srgbClr val="000000"/>
-                </a:solidFill>
-              </a:rPr>
-              <a:t>Data Cleaning using Google Refine</a:t>
-            </a:r>
-          </a:p>
-          <a:p>
-            <a:pPr marL="285750" indent="-285750">
-              <a:buFont typeface="Arial" panose="020B0604020202020204" pitchFamily="34" charset="0"/>
-              <a:buChar char="•"/>
-            </a:pPr>
-            <a:r>
-              <a:rPr lang="en-US" sz="2000" dirty="0">
-                <a:solidFill>
-                  <a:srgbClr val="000000"/>
-                </a:solidFill>
-              </a:rPr>
-              <a:t>Integration of Data using Google Refine Expression Language</a:t>
-            </a:r>
-          </a:p>
-          <a:p>
-            <a:pPr marL="285750" indent="-285750">
-              <a:buFont typeface="Arial" panose="020B0604020202020204" pitchFamily="34" charset="0"/>
-              <a:buChar char="•"/>
-            </a:pPr>
-            <a:r>
-              <a:rPr lang="en-US" sz="2000" dirty="0">
-                <a:solidFill>
-                  <a:srgbClr val="000000"/>
-                </a:solidFill>
-              </a:rPr>
-              <a:t>RDF Representation of the Integrated Data Sources using Protege</a:t>
-            </a:r>
-          </a:p>
-          <a:p>
-            <a:pPr marL="285750" indent="-285750">
-              <a:buFont typeface="Arial" panose="020B0604020202020204" pitchFamily="34" charset="0"/>
-              <a:buChar char="•"/>
-            </a:pPr>
-            <a:r>
-              <a:rPr lang="en-US" sz="2000" dirty="0">
-                <a:solidFill>
-                  <a:srgbClr val="000000"/>
-                </a:solidFill>
-              </a:rPr>
-              <a:t>SPARQL to query the RDF Triple Stores hosted on Apache Jena </a:t>
-            </a:r>
-            <a:r>
-              <a:rPr lang="en-US" sz="2000" dirty="0" err="1">
-                <a:solidFill>
-                  <a:srgbClr val="000000"/>
-                </a:solidFill>
-              </a:rPr>
-              <a:t>Fuseki</a:t>
-            </a:r>
-            <a:endParaRPr lang="en-US" sz="2000" dirty="0">
-              <a:solidFill>
-                <a:srgbClr val="000000"/>
-              </a:solidFill>
-            </a:endParaRPr>
-          </a:p>
-          <a:p>
-            <a:pPr marL="285750" indent="-285750">
-              <a:buFont typeface="Arial" panose="020B0604020202020204" pitchFamily="34" charset="0"/>
-              <a:buChar char="•"/>
-            </a:pPr>
-            <a:r>
-              <a:rPr lang="en-US" sz="2000" dirty="0">
-                <a:solidFill>
-                  <a:srgbClr val="000000"/>
-                </a:solidFill>
-              </a:rPr>
-              <a:t>User Interface for querying the SPARQL End point and Analysis of the 2016 US Election Results </a:t>
-            </a:r>
-          </a:p>
-        </p:txBody>
-      </p:sp>
-      <p:pic>
-        <p:nvPicPr>
-          <p:cNvPr id="5" name="Picture 4">
-            <a:extLst>
-              <a:ext uri="{FF2B5EF4-FFF2-40B4-BE49-F238E27FC236}">
-                <a16:creationId xmlns:a16="http://schemas.microsoft.com/office/drawing/2014/main" id="{48C3EB15-8FC0-4D9D-A197-40A7A2D00274}"/>
-              </a:ext>
-            </a:extLst>
-          </p:cNvPr>
-          <p:cNvPicPr>
-            <a:picLocks noChangeAspect="1"/>
-          </p:cNvPicPr>
-          <p:nvPr/>
-        </p:nvPicPr>
-        <p:blipFill>
-          <a:blip r:embed="rId2"/>
-          <a:stretch>
-            <a:fillRect/>
-          </a:stretch>
-        </p:blipFill>
-        <p:spPr>
-          <a:xfrm>
-            <a:off x="6707870" y="3596642"/>
-            <a:ext cx="2143125" cy="2133600"/>
-          </a:xfrm>
-          <a:prstGeom prst="rect">
-            <a:avLst/>
-          </a:prstGeom>
-        </p:spPr>
-      </p:pic>
     </p:spTree>
     <p:extLst>
       <p:ext uri="{BB962C8B-B14F-4D97-AF65-F5344CB8AC3E}">
-        <p14:creationId xmlns:p14="http://schemas.microsoft.com/office/powerpoint/2010/main" val="1132115474"/>
+        <p14:creationId xmlns:p14="http://schemas.microsoft.com/office/powerpoint/2010/main" val="4146792371"/>
       </p:ext>
     </p:extLst>
   </p:cSld>
@@ -2135,6 +1791,510 @@
       </p:grpSpPr>
       <p:sp>
         <p:nvSpPr>
+          <p:cNvPr id="3" name="TextBox 2">
+            <a:extLst>
+              <a:ext uri="{FF2B5EF4-FFF2-40B4-BE49-F238E27FC236}">
+                <a16:creationId xmlns:a16="http://schemas.microsoft.com/office/drawing/2014/main" id="{67DCF171-355D-41A8-81F8-F58E879147FA}"/>
+              </a:ext>
+            </a:extLst>
+          </p:cNvPr>
+          <p:cNvSpPr txBox="1"/>
+          <p:nvPr/>
+        </p:nvSpPr>
+        <p:spPr>
+          <a:xfrm>
+            <a:off x="168812" y="365760"/>
+            <a:ext cx="7990450" cy="369332"/>
+          </a:xfrm>
+          <a:prstGeom prst="rect">
+            <a:avLst/>
+          </a:prstGeom>
+          <a:noFill/>
+        </p:spPr>
+        <p:txBody>
+          <a:bodyPr wrap="square" rtlCol="0">
+            <a:spAutoFit/>
+          </a:bodyPr>
+          <a:lstStyle/>
+          <a:p>
+            <a:r>
+              <a:rPr lang="en-US" dirty="0"/>
+              <a:t>INSIGHTS</a:t>
+            </a:r>
+          </a:p>
+        </p:txBody>
+      </p:sp>
+    </p:spTree>
+    <p:extLst>
+      <p:ext uri="{BB962C8B-B14F-4D97-AF65-F5344CB8AC3E}">
+        <p14:creationId xmlns:p14="http://schemas.microsoft.com/office/powerpoint/2010/main" val="728263817"/>
+      </p:ext>
+    </p:extLst>
+  </p:cSld>
+  <p:clrMapOvr>
+    <a:masterClrMapping/>
+  </p:clrMapOvr>
+</p:sld>
+</file>
+
+<file path=ppt/slides/slide16.xml><?xml version="1.0" encoding="utf-8"?>
+<p:sld xmlns:a="http://schemas.openxmlformats.org/drawingml/2006/main" xmlns:r="http://schemas.openxmlformats.org/officeDocument/2006/relationships" xmlns:p="http://schemas.openxmlformats.org/presentationml/2006/main">
+  <p:cSld>
+    <p:spTree>
+      <p:nvGrpSpPr>
+        <p:cNvPr id="1" name=""/>
+        <p:cNvGrpSpPr/>
+        <p:nvPr/>
+      </p:nvGrpSpPr>
+      <p:grpSpPr>
+        <a:xfrm>
+          <a:off x="0" y="0"/>
+          <a:ext cx="0" cy="0"/>
+          <a:chOff x="0" y="0"/>
+          <a:chExt cx="0" cy="0"/>
+        </a:xfrm>
+      </p:grpSpPr>
+      <p:sp>
+        <p:nvSpPr>
+          <p:cNvPr id="2" name="TextBox 1">
+            <a:extLst>
+              <a:ext uri="{FF2B5EF4-FFF2-40B4-BE49-F238E27FC236}">
+                <a16:creationId xmlns:a16="http://schemas.microsoft.com/office/drawing/2014/main" id="{E0D25419-C329-44FF-8BCB-36CF66CA4D2E}"/>
+              </a:ext>
+            </a:extLst>
+          </p:cNvPr>
+          <p:cNvSpPr txBox="1"/>
+          <p:nvPr/>
+        </p:nvSpPr>
+        <p:spPr>
+          <a:xfrm>
+            <a:off x="561564" y="226869"/>
+            <a:ext cx="7526216" cy="523220"/>
+          </a:xfrm>
+          <a:prstGeom prst="rect">
+            <a:avLst/>
+          </a:prstGeom>
+          <a:noFill/>
+        </p:spPr>
+        <p:txBody>
+          <a:bodyPr wrap="square" rtlCol="0">
+            <a:spAutoFit/>
+          </a:bodyPr>
+          <a:lstStyle/>
+          <a:p>
+            <a:r>
+              <a:rPr lang="en-US" sz="2800" b="1" i="1" dirty="0"/>
+              <a:t>CHALLENGES FACED</a:t>
+            </a:r>
+            <a:endParaRPr lang="en-US" dirty="0"/>
+          </a:p>
+        </p:txBody>
+      </p:sp>
+      <p:sp>
+        <p:nvSpPr>
+          <p:cNvPr id="3" name="TextBox 2">
+            <a:extLst>
+              <a:ext uri="{FF2B5EF4-FFF2-40B4-BE49-F238E27FC236}">
+                <a16:creationId xmlns:a16="http://schemas.microsoft.com/office/drawing/2014/main" id="{F6918784-0796-47A8-BB3B-FA80435D81D8}"/>
+              </a:ext>
+            </a:extLst>
+          </p:cNvPr>
+          <p:cNvSpPr txBox="1"/>
+          <p:nvPr/>
+        </p:nvSpPr>
+        <p:spPr>
+          <a:xfrm>
+            <a:off x="561564" y="1237957"/>
+            <a:ext cx="8047864" cy="1631216"/>
+          </a:xfrm>
+          <a:prstGeom prst="rect">
+            <a:avLst/>
+          </a:prstGeom>
+          <a:noFill/>
+        </p:spPr>
+        <p:txBody>
+          <a:bodyPr wrap="square" rtlCol="0">
+            <a:spAutoFit/>
+          </a:bodyPr>
+          <a:lstStyle/>
+          <a:p>
+            <a:pPr marL="285750" indent="-285750">
+              <a:buFont typeface="Arial" panose="020B0604020202020204" pitchFamily="34" charset="0"/>
+              <a:buChar char="•"/>
+            </a:pPr>
+            <a:r>
+              <a:rPr lang="en-US" sz="2000" dirty="0">
+                <a:solidFill>
+                  <a:srgbClr val="000000"/>
+                </a:solidFill>
+              </a:rPr>
+              <a:t>Data Filtering And Feature Selection</a:t>
+            </a:r>
+          </a:p>
+          <a:p>
+            <a:pPr marL="285750" indent="-285750">
+              <a:buFont typeface="Arial" panose="020B0604020202020204" pitchFamily="34" charset="0"/>
+              <a:buChar char="•"/>
+            </a:pPr>
+            <a:r>
+              <a:rPr lang="en-US" sz="2000" dirty="0">
+                <a:solidFill>
+                  <a:srgbClr val="000000"/>
+                </a:solidFill>
+              </a:rPr>
+              <a:t>Combining Various Data Sources</a:t>
+            </a:r>
+          </a:p>
+          <a:p>
+            <a:pPr marL="285750" indent="-285750">
+              <a:buFont typeface="Arial" panose="020B0604020202020204" pitchFamily="34" charset="0"/>
+              <a:buChar char="•"/>
+            </a:pPr>
+            <a:r>
+              <a:rPr lang="en-US" sz="2000" dirty="0">
+                <a:solidFill>
+                  <a:srgbClr val="000000"/>
+                </a:solidFill>
+              </a:rPr>
+              <a:t>Trial And Test using various technologies</a:t>
+            </a:r>
+          </a:p>
+          <a:p>
+            <a:pPr marL="285750" indent="-285750">
+              <a:buFont typeface="Arial" panose="020B0604020202020204" pitchFamily="34" charset="0"/>
+              <a:buChar char="•"/>
+            </a:pPr>
+            <a:r>
+              <a:rPr lang="en-US" sz="2000" dirty="0">
+                <a:solidFill>
+                  <a:srgbClr val="000000"/>
+                </a:solidFill>
+              </a:rPr>
+              <a:t>Derivation of insights from the federated ontology</a:t>
+            </a:r>
+          </a:p>
+          <a:p>
+            <a:pPr marL="285750" indent="-285750">
+              <a:buFont typeface="Arial" panose="020B0604020202020204" pitchFamily="34" charset="0"/>
+              <a:buChar char="•"/>
+            </a:pPr>
+            <a:endParaRPr lang="en-US" sz="2000" dirty="0">
+              <a:solidFill>
+                <a:srgbClr val="000000"/>
+              </a:solidFill>
+            </a:endParaRPr>
+          </a:p>
+        </p:txBody>
+      </p:sp>
+      <p:pic>
+        <p:nvPicPr>
+          <p:cNvPr id="5" name="Picture 4">
+            <a:extLst>
+              <a:ext uri="{FF2B5EF4-FFF2-40B4-BE49-F238E27FC236}">
+                <a16:creationId xmlns:a16="http://schemas.microsoft.com/office/drawing/2014/main" id="{7EC813E8-78D3-444C-ADA9-346663CBD57C}"/>
+              </a:ext>
+            </a:extLst>
+          </p:cNvPr>
+          <p:cNvPicPr>
+            <a:picLocks noChangeAspect="1"/>
+          </p:cNvPicPr>
+          <p:nvPr/>
+        </p:nvPicPr>
+        <p:blipFill>
+          <a:blip r:embed="rId2"/>
+          <a:stretch>
+            <a:fillRect/>
+          </a:stretch>
+        </p:blipFill>
+        <p:spPr>
+          <a:xfrm>
+            <a:off x="3617381" y="3236375"/>
+            <a:ext cx="2438400" cy="1876425"/>
+          </a:xfrm>
+          <a:prstGeom prst="rect">
+            <a:avLst/>
+          </a:prstGeom>
+        </p:spPr>
+      </p:pic>
+    </p:spTree>
+    <p:extLst>
+      <p:ext uri="{BB962C8B-B14F-4D97-AF65-F5344CB8AC3E}">
+        <p14:creationId xmlns:p14="http://schemas.microsoft.com/office/powerpoint/2010/main" val="269418586"/>
+      </p:ext>
+    </p:extLst>
+  </p:cSld>
+  <p:clrMapOvr>
+    <a:masterClrMapping/>
+  </p:clrMapOvr>
+</p:sld>
+</file>
+
+<file path=ppt/slides/slide17.xml><?xml version="1.0" encoding="utf-8"?>
+<p:sld xmlns:a="http://schemas.openxmlformats.org/drawingml/2006/main" xmlns:r="http://schemas.openxmlformats.org/officeDocument/2006/relationships" xmlns:p="http://schemas.openxmlformats.org/presentationml/2006/main">
+  <p:cSld>
+    <p:spTree>
+      <p:nvGrpSpPr>
+        <p:cNvPr id="1" name=""/>
+        <p:cNvGrpSpPr/>
+        <p:nvPr/>
+      </p:nvGrpSpPr>
+      <p:grpSpPr>
+        <a:xfrm>
+          <a:off x="0" y="0"/>
+          <a:ext cx="0" cy="0"/>
+          <a:chOff x="0" y="0"/>
+          <a:chExt cx="0" cy="0"/>
+        </a:xfrm>
+      </p:grpSpPr>
+      <p:sp>
+        <p:nvSpPr>
+          <p:cNvPr id="2" name="TextBox 1">
+            <a:extLst>
+              <a:ext uri="{FF2B5EF4-FFF2-40B4-BE49-F238E27FC236}">
+                <a16:creationId xmlns:a16="http://schemas.microsoft.com/office/drawing/2014/main" id="{E0D25419-C329-44FF-8BCB-36CF66CA4D2E}"/>
+              </a:ext>
+            </a:extLst>
+          </p:cNvPr>
+          <p:cNvSpPr txBox="1"/>
+          <p:nvPr/>
+        </p:nvSpPr>
+        <p:spPr>
+          <a:xfrm>
+            <a:off x="561564" y="226869"/>
+            <a:ext cx="7526216" cy="523220"/>
+          </a:xfrm>
+          <a:prstGeom prst="rect">
+            <a:avLst/>
+          </a:prstGeom>
+          <a:noFill/>
+        </p:spPr>
+        <p:txBody>
+          <a:bodyPr wrap="square" rtlCol="0">
+            <a:spAutoFit/>
+          </a:bodyPr>
+          <a:lstStyle/>
+          <a:p>
+            <a:r>
+              <a:rPr lang="en-US" sz="2800" b="1" i="1" dirty="0"/>
+              <a:t>CONCLUSION</a:t>
+            </a:r>
+            <a:endParaRPr lang="en-US" dirty="0"/>
+          </a:p>
+        </p:txBody>
+      </p:sp>
+      <p:sp>
+        <p:nvSpPr>
+          <p:cNvPr id="4" name="TextBox 3">
+            <a:extLst>
+              <a:ext uri="{FF2B5EF4-FFF2-40B4-BE49-F238E27FC236}">
+                <a16:creationId xmlns:a16="http://schemas.microsoft.com/office/drawing/2014/main" id="{8CDE17C7-B815-4F13-9530-34A97AA41974}"/>
+              </a:ext>
+            </a:extLst>
+          </p:cNvPr>
+          <p:cNvSpPr txBox="1"/>
+          <p:nvPr/>
+        </p:nvSpPr>
+        <p:spPr>
+          <a:xfrm>
+            <a:off x="675249" y="1167618"/>
+            <a:ext cx="7877908" cy="3170099"/>
+          </a:xfrm>
+          <a:prstGeom prst="rect">
+            <a:avLst/>
+          </a:prstGeom>
+          <a:noFill/>
+        </p:spPr>
+        <p:txBody>
+          <a:bodyPr wrap="square" rtlCol="0">
+            <a:spAutoFit/>
+          </a:bodyPr>
+          <a:lstStyle/>
+          <a:p>
+            <a:pPr marL="342900" indent="-342900" algn="ctr">
+              <a:buFont typeface="Arial" panose="020B0604020202020204" pitchFamily="34" charset="0"/>
+              <a:buChar char="•"/>
+            </a:pPr>
+            <a:r>
+              <a:rPr lang="en-US" sz="2000" dirty="0">
+                <a:solidFill>
+                  <a:srgbClr val="000000"/>
+                </a:solidFill>
+              </a:rPr>
+              <a:t>Used Federated Ontologies  to understand and assess the factors that impacted US Presidential Elections 2016</a:t>
+            </a:r>
+          </a:p>
+          <a:p>
+            <a:pPr marL="342900" indent="-342900" algn="ctr">
+              <a:buFont typeface="Arial" panose="020B0604020202020204" pitchFamily="34" charset="0"/>
+              <a:buChar char="•"/>
+            </a:pPr>
+            <a:endParaRPr lang="en-US" sz="2000" dirty="0">
+              <a:solidFill>
+                <a:srgbClr val="000000"/>
+              </a:solidFill>
+            </a:endParaRPr>
+          </a:p>
+          <a:p>
+            <a:pPr marL="285750" indent="-285750">
+              <a:buFont typeface="Arial" panose="020B0604020202020204" pitchFamily="34" charset="0"/>
+              <a:buChar char="•"/>
+            </a:pPr>
+            <a:r>
+              <a:rPr lang="en-US" sz="2000" dirty="0">
+                <a:solidFill>
+                  <a:srgbClr val="000000"/>
+                </a:solidFill>
+              </a:rPr>
+              <a:t>For this we Collected various Data Sources from Kaggle</a:t>
+            </a:r>
+          </a:p>
+          <a:p>
+            <a:pPr marL="285750" indent="-285750">
+              <a:buFont typeface="Arial" panose="020B0604020202020204" pitchFamily="34" charset="0"/>
+              <a:buChar char="•"/>
+            </a:pPr>
+            <a:r>
+              <a:rPr lang="en-US" sz="2000" dirty="0">
+                <a:solidFill>
+                  <a:srgbClr val="000000"/>
+                </a:solidFill>
+              </a:rPr>
+              <a:t>Data Cleaning using Google Refine</a:t>
+            </a:r>
+          </a:p>
+          <a:p>
+            <a:pPr marL="285750" indent="-285750">
+              <a:buFont typeface="Arial" panose="020B0604020202020204" pitchFamily="34" charset="0"/>
+              <a:buChar char="•"/>
+            </a:pPr>
+            <a:r>
+              <a:rPr lang="en-US" sz="2000" dirty="0">
+                <a:solidFill>
+                  <a:srgbClr val="000000"/>
+                </a:solidFill>
+              </a:rPr>
+              <a:t>Integration of Data using Google Refine Expression Language</a:t>
+            </a:r>
+          </a:p>
+          <a:p>
+            <a:pPr marL="285750" indent="-285750">
+              <a:buFont typeface="Arial" panose="020B0604020202020204" pitchFamily="34" charset="0"/>
+              <a:buChar char="•"/>
+            </a:pPr>
+            <a:r>
+              <a:rPr lang="en-US" sz="2000" dirty="0">
+                <a:solidFill>
+                  <a:srgbClr val="000000"/>
+                </a:solidFill>
+              </a:rPr>
+              <a:t>RDF Representation of the Integrated Data Sources using Protege</a:t>
+            </a:r>
+          </a:p>
+          <a:p>
+            <a:pPr marL="285750" indent="-285750">
+              <a:buFont typeface="Arial" panose="020B0604020202020204" pitchFamily="34" charset="0"/>
+              <a:buChar char="•"/>
+            </a:pPr>
+            <a:r>
+              <a:rPr lang="en-US" sz="2000" dirty="0">
+                <a:solidFill>
+                  <a:srgbClr val="000000"/>
+                </a:solidFill>
+              </a:rPr>
+              <a:t>SPARQL to query the RDF Triple Stores hosted on Apache Jena </a:t>
+            </a:r>
+            <a:r>
+              <a:rPr lang="en-US" sz="2000" dirty="0" err="1">
+                <a:solidFill>
+                  <a:srgbClr val="000000"/>
+                </a:solidFill>
+              </a:rPr>
+              <a:t>Fuseki</a:t>
+            </a:r>
+            <a:endParaRPr lang="en-US" sz="2000" dirty="0">
+              <a:solidFill>
+                <a:srgbClr val="000000"/>
+              </a:solidFill>
+            </a:endParaRPr>
+          </a:p>
+          <a:p>
+            <a:pPr marL="285750" indent="-285750">
+              <a:buFont typeface="Arial" panose="020B0604020202020204" pitchFamily="34" charset="0"/>
+              <a:buChar char="•"/>
+            </a:pPr>
+            <a:r>
+              <a:rPr lang="en-US" sz="2000" dirty="0">
+                <a:solidFill>
+                  <a:srgbClr val="000000"/>
+                </a:solidFill>
+              </a:rPr>
+              <a:t>User Interface for querying the SPARQL End point and Analysis of the 2016 US Election Results </a:t>
+            </a:r>
+          </a:p>
+        </p:txBody>
+      </p:sp>
+      <p:pic>
+        <p:nvPicPr>
+          <p:cNvPr id="5" name="Picture 4">
+            <a:extLst>
+              <a:ext uri="{FF2B5EF4-FFF2-40B4-BE49-F238E27FC236}">
+                <a16:creationId xmlns:a16="http://schemas.microsoft.com/office/drawing/2014/main" id="{48C3EB15-8FC0-4D9D-A197-40A7A2D00274}"/>
+              </a:ext>
+            </a:extLst>
+          </p:cNvPr>
+          <p:cNvPicPr>
+            <a:picLocks noChangeAspect="1"/>
+          </p:cNvPicPr>
+          <p:nvPr/>
+        </p:nvPicPr>
+        <p:blipFill>
+          <a:blip r:embed="rId2"/>
+          <a:stretch>
+            <a:fillRect/>
+          </a:stretch>
+        </p:blipFill>
+        <p:spPr>
+          <a:xfrm>
+            <a:off x="6707870" y="4145838"/>
+            <a:ext cx="2143125" cy="2133600"/>
+          </a:xfrm>
+          <a:prstGeom prst="rect">
+            <a:avLst/>
+          </a:prstGeom>
+        </p:spPr>
+      </p:pic>
+    </p:spTree>
+    <p:extLst>
+      <p:ext uri="{BB962C8B-B14F-4D97-AF65-F5344CB8AC3E}">
+        <p14:creationId xmlns:p14="http://schemas.microsoft.com/office/powerpoint/2010/main" val="1132115474"/>
+      </p:ext>
+    </p:extLst>
+  </p:cSld>
+  <p:clrMapOvr>
+    <a:masterClrMapping/>
+  </p:clrMapOvr>
+</p:sld>
+</file>
+
+<file path=ppt/slides/slide18.xml><?xml version="1.0" encoding="utf-8"?>
+<p:sld xmlns:a="http://schemas.openxmlformats.org/drawingml/2006/main" xmlns:r="http://schemas.openxmlformats.org/officeDocument/2006/relationships" xmlns:p="http://schemas.openxmlformats.org/presentationml/2006/main">
+  <p:cSld>
+    <p:spTree>
+      <p:nvGrpSpPr>
+        <p:cNvPr id="1" name=""/>
+        <p:cNvGrpSpPr/>
+        <p:nvPr/>
+      </p:nvGrpSpPr>
+      <p:grpSpPr>
+        <a:xfrm>
+          <a:off x="0" y="0"/>
+          <a:ext cx="0" cy="0"/>
+          <a:chOff x="0" y="0"/>
+          <a:chExt cx="0" cy="0"/>
+        </a:xfrm>
+      </p:grpSpPr>
+      <p:sp>
+        <p:nvSpPr>
           <p:cNvPr id="2" name="TextBox 1">
             <a:extLst>
               <a:ext uri="{FF2B5EF4-FFF2-40B4-BE49-F238E27FC236}">
@@ -2207,7 +2367,7 @@
                   <a:srgbClr val="000000"/>
                 </a:solidFill>
               </a:rPr>
-              <a:t>Integration of more relevant data sources</a:t>
+              <a:t>Integration with data sources such as Twitter for Language Processing</a:t>
             </a:r>
           </a:p>
           <a:p>
@@ -2235,7 +2395,7 @@
                   <a:srgbClr val="000000"/>
                 </a:solidFill>
               </a:rPr>
-              <a:t>More generic analysis of elections</a:t>
+              <a:t>Generalizing usage of various data feature selection</a:t>
             </a:r>
           </a:p>
         </p:txBody>
@@ -2283,7 +2443,7 @@
 </p:sld>
 </file>
 
-<file path=ppt/slides/slide16.xml><?xml version="1.0" encoding="utf-8"?>
+<file path=ppt/slides/slide19.xml><?xml version="1.0" encoding="utf-8"?>
 <p:sld xmlns:a="http://schemas.openxmlformats.org/drawingml/2006/main" xmlns:r="http://schemas.openxmlformats.org/officeDocument/2006/relationships" xmlns:p="http://schemas.openxmlformats.org/presentationml/2006/main">
   <p:cSld>
     <p:spTree>
@@ -2476,10 +2636,9 @@
           <a:lstStyle/>
           <a:p>
             <a:r>
-              <a:rPr lang="en-US" sz="2800" b="1" i="1"/>
-              <a:t>CONTENTS </a:t>
-            </a:r>
-            <a:endParaRPr lang="en-US" sz="2800" b="1" i="1" dirty="0"/>
+              <a:rPr lang="en-US" sz="2800" b="1" i="1" dirty="0"/>
+              <a:t>AGENDA</a:t>
+            </a:r>
           </a:p>
         </p:txBody>
       </p:sp>
@@ -2549,7 +2708,7 @@
                   <a:srgbClr val="000000"/>
                 </a:solidFill>
               </a:rPr>
-              <a:t>Datasets</a:t>
+              <a:t>Integration Of Datasets</a:t>
             </a:r>
           </a:p>
           <a:p>
@@ -2563,7 +2722,7 @@
                   <a:srgbClr val="000000"/>
                 </a:solidFill>
               </a:rPr>
-              <a:t>Integration Of Datasets</a:t>
+              <a:t>Technical Architecture</a:t>
             </a:r>
           </a:p>
           <a:p>
@@ -2577,7 +2736,7 @@
                   <a:srgbClr val="000000"/>
                 </a:solidFill>
               </a:rPr>
-              <a:t>Results</a:t>
+              <a:t>Results And Insights</a:t>
             </a:r>
           </a:p>
           <a:p>
@@ -2874,6 +3033,54 @@
               <a:t>PROBLEM DESCRIPTION</a:t>
             </a:r>
             <a:endParaRPr lang="en-US" dirty="0"/>
+          </a:p>
+        </p:txBody>
+      </p:sp>
+      <p:sp>
+        <p:nvSpPr>
+          <p:cNvPr id="3" name="TextBox 2">
+            <a:extLst>
+              <a:ext uri="{FF2B5EF4-FFF2-40B4-BE49-F238E27FC236}">
+                <a16:creationId xmlns:a16="http://schemas.microsoft.com/office/drawing/2014/main" id="{A2263CC0-C364-4AC8-BFCA-5A88C5359886}"/>
+              </a:ext>
+            </a:extLst>
+          </p:cNvPr>
+          <p:cNvSpPr txBox="1"/>
+          <p:nvPr/>
+        </p:nvSpPr>
+        <p:spPr>
+          <a:xfrm>
+            <a:off x="661183" y="1606432"/>
+            <a:ext cx="7426597" cy="1815882"/>
+          </a:xfrm>
+          <a:prstGeom prst="rect">
+            <a:avLst/>
+          </a:prstGeom>
+          <a:noFill/>
+        </p:spPr>
+        <p:txBody>
+          <a:bodyPr wrap="square" rtlCol="0">
+            <a:spAutoFit/>
+          </a:bodyPr>
+          <a:lstStyle/>
+          <a:p>
+            <a:pPr algn="ctr"/>
+            <a:r>
+              <a:rPr lang="en-US" sz="2800" dirty="0">
+                <a:solidFill>
+                  <a:srgbClr val="000000"/>
+                </a:solidFill>
+              </a:rPr>
+              <a:t>Use Federated Ontologies  to understand and assess the factors that impacted US Presidential Elections 2016</a:t>
+            </a:r>
+          </a:p>
+          <a:p>
+            <a:pPr algn="ctr"/>
+            <a:endParaRPr lang="en-US" sz="2800" dirty="0">
+              <a:solidFill>
+                <a:srgbClr val="000000"/>
+              </a:solidFill>
+            </a:endParaRPr>
           </a:p>
         </p:txBody>
       </p:sp>
@@ -2937,7 +3144,7 @@
           <a:p>
             <a:r>
               <a:rPr lang="en-US" sz="2800" b="1" i="1" dirty="0"/>
-              <a:t>DATASOURCE</a:t>
+              <a:t>DATA SOURCE</a:t>
             </a:r>
             <a:endParaRPr lang="en-US" dirty="0"/>
           </a:p>
@@ -3297,16 +3504,220 @@
           <a:p>
             <a:r>
               <a:rPr lang="en-US" sz="2800" b="1" i="1" dirty="0"/>
-              <a:t>ONTOLOGICAL REPRESENTATION OF DATASETS</a:t>
+              <a:t>DATA CLEANING</a:t>
             </a:r>
             <a:endParaRPr lang="en-US" dirty="0"/>
+          </a:p>
+        </p:txBody>
+      </p:sp>
+      <p:pic>
+        <p:nvPicPr>
+          <p:cNvPr id="5" name="Picture 4">
+            <a:extLst>
+              <a:ext uri="{FF2B5EF4-FFF2-40B4-BE49-F238E27FC236}">
+                <a16:creationId xmlns:a16="http://schemas.microsoft.com/office/drawing/2014/main" id="{8D2C87ED-1CB8-485B-A18C-D2612E11A49D}"/>
+              </a:ext>
+            </a:extLst>
+          </p:cNvPr>
+          <p:cNvPicPr>
+            <a:picLocks noChangeAspect="1"/>
+          </p:cNvPicPr>
+          <p:nvPr/>
+        </p:nvPicPr>
+        <p:blipFill>
+          <a:blip r:embed="rId2"/>
+          <a:stretch>
+            <a:fillRect/>
+          </a:stretch>
+        </p:blipFill>
+        <p:spPr>
+          <a:xfrm>
+            <a:off x="5486399" y="1781441"/>
+            <a:ext cx="3557307" cy="1457325"/>
+          </a:xfrm>
+          <a:prstGeom prst="rect">
+            <a:avLst/>
+          </a:prstGeom>
+        </p:spPr>
+      </p:pic>
+      <p:sp>
+        <p:nvSpPr>
+          <p:cNvPr id="7" name="TextBox 6">
+            <a:extLst>
+              <a:ext uri="{FF2B5EF4-FFF2-40B4-BE49-F238E27FC236}">
+                <a16:creationId xmlns:a16="http://schemas.microsoft.com/office/drawing/2014/main" id="{28DA8295-2B1D-4DC4-AF0C-D72483B3BB40}"/>
+              </a:ext>
+            </a:extLst>
+          </p:cNvPr>
+          <p:cNvSpPr txBox="1"/>
+          <p:nvPr/>
+        </p:nvSpPr>
+        <p:spPr>
+          <a:xfrm>
+            <a:off x="561563" y="3109106"/>
+            <a:ext cx="7977525" cy="2246769"/>
+          </a:xfrm>
+          <a:prstGeom prst="rect">
+            <a:avLst/>
+          </a:prstGeom>
+          <a:noFill/>
+        </p:spPr>
+        <p:txBody>
+          <a:bodyPr wrap="square" rtlCol="0">
+            <a:spAutoFit/>
+          </a:bodyPr>
+          <a:lstStyle/>
+          <a:p>
+            <a:endParaRPr lang="en-US" sz="2000" dirty="0">
+              <a:solidFill>
+                <a:srgbClr val="000000"/>
+              </a:solidFill>
+            </a:endParaRPr>
+          </a:p>
+          <a:p>
+            <a:pPr marL="285750" indent="-285750">
+              <a:buFont typeface="Arial" panose="020B0604020202020204" pitchFamily="34" charset="0"/>
+              <a:buChar char="•"/>
+            </a:pPr>
+            <a:r>
+              <a:rPr lang="en-US" sz="2000" dirty="0">
+                <a:solidFill>
+                  <a:srgbClr val="000000"/>
+                </a:solidFill>
+              </a:rPr>
+              <a:t>Steps for Processing of Individual Datasets :-</a:t>
+            </a:r>
+          </a:p>
+          <a:p>
+            <a:pPr marL="742950" lvl="1" indent="-285750">
+              <a:buFont typeface="Arial" panose="020B0604020202020204" pitchFamily="34" charset="0"/>
+              <a:buChar char="•"/>
+            </a:pPr>
+            <a:r>
+              <a:rPr lang="en-US" sz="2000" dirty="0">
+                <a:solidFill>
+                  <a:srgbClr val="000000"/>
+                </a:solidFill>
+              </a:rPr>
+              <a:t>Importing Data Source</a:t>
+            </a:r>
+          </a:p>
+          <a:p>
+            <a:pPr marL="742950" lvl="1" indent="-285750">
+              <a:buFont typeface="Arial" panose="020B0604020202020204" pitchFamily="34" charset="0"/>
+              <a:buChar char="•"/>
+            </a:pPr>
+            <a:r>
+              <a:rPr lang="en-US" sz="2000" dirty="0">
+                <a:solidFill>
+                  <a:srgbClr val="000000"/>
+                </a:solidFill>
+              </a:rPr>
+              <a:t>Filtering / Faceting</a:t>
+            </a:r>
+          </a:p>
+          <a:p>
+            <a:pPr marL="742950" lvl="1" indent="-285750">
+              <a:buFont typeface="Arial" panose="020B0604020202020204" pitchFamily="34" charset="0"/>
+              <a:buChar char="•"/>
+            </a:pPr>
+            <a:r>
+              <a:rPr lang="en-US" sz="2000" dirty="0">
+                <a:solidFill>
+                  <a:srgbClr val="000000"/>
+                </a:solidFill>
+              </a:rPr>
+              <a:t>Clustering</a:t>
+            </a:r>
+          </a:p>
+          <a:p>
+            <a:pPr marL="742950" lvl="1" indent="-285750">
+              <a:buFont typeface="Arial" panose="020B0604020202020204" pitchFamily="34" charset="0"/>
+              <a:buChar char="•"/>
+            </a:pPr>
+            <a:r>
+              <a:rPr lang="en-US" sz="2000" dirty="0">
+                <a:solidFill>
+                  <a:srgbClr val="000000"/>
+                </a:solidFill>
+              </a:rPr>
+              <a:t>Usage Of Regular Expressions for manipulating data fields</a:t>
+            </a:r>
+          </a:p>
+          <a:p>
+            <a:pPr lvl="1"/>
+            <a:endParaRPr lang="en-US" sz="2000" dirty="0">
+              <a:solidFill>
+                <a:srgbClr val="000000"/>
+              </a:solidFill>
+            </a:endParaRPr>
+          </a:p>
+        </p:txBody>
+      </p:sp>
+      <p:sp>
+        <p:nvSpPr>
+          <p:cNvPr id="8" name="TextBox 7">
+            <a:extLst>
+              <a:ext uri="{FF2B5EF4-FFF2-40B4-BE49-F238E27FC236}">
+                <a16:creationId xmlns:a16="http://schemas.microsoft.com/office/drawing/2014/main" id="{B73F55D9-AA34-4C62-B1C3-CCBF99426770}"/>
+              </a:ext>
+            </a:extLst>
+          </p:cNvPr>
+          <p:cNvSpPr txBox="1"/>
+          <p:nvPr/>
+        </p:nvSpPr>
+        <p:spPr>
+          <a:xfrm>
+            <a:off x="561564" y="1781441"/>
+            <a:ext cx="5178054" cy="1015663"/>
+          </a:xfrm>
+          <a:prstGeom prst="rect">
+            <a:avLst/>
+          </a:prstGeom>
+          <a:noFill/>
+        </p:spPr>
+        <p:txBody>
+          <a:bodyPr wrap="square" rtlCol="0">
+            <a:spAutoFit/>
+          </a:bodyPr>
+          <a:lstStyle/>
+          <a:p>
+            <a:pPr marL="285750" indent="-285750">
+              <a:buFont typeface="Arial" panose="020B0604020202020204" pitchFamily="34" charset="0"/>
+              <a:buChar char="•"/>
+            </a:pPr>
+            <a:r>
+              <a:rPr lang="en-US" sz="2000" dirty="0">
+                <a:solidFill>
+                  <a:srgbClr val="000000"/>
+                </a:solidFill>
+              </a:rPr>
+              <a:t>Powerful Tool for working with Messy Data</a:t>
+            </a:r>
+          </a:p>
+          <a:p>
+            <a:pPr marL="285750" indent="-285750">
+              <a:buFont typeface="Arial" panose="020B0604020202020204" pitchFamily="34" charset="0"/>
+              <a:buChar char="•"/>
+            </a:pPr>
+            <a:r>
+              <a:rPr lang="en-US" sz="2000" dirty="0">
+                <a:solidFill>
+                  <a:srgbClr val="000000"/>
+                </a:solidFill>
+              </a:rPr>
+              <a:t>Desktop application running on Port 3333</a:t>
+            </a:r>
+          </a:p>
+          <a:p>
+            <a:endParaRPr lang="en-US" sz="2000" dirty="0"/>
           </a:p>
         </p:txBody>
       </p:sp>
     </p:spTree>
     <p:extLst>
       <p:ext uri="{BB962C8B-B14F-4D97-AF65-F5344CB8AC3E}">
-        <p14:creationId xmlns:p14="http://schemas.microsoft.com/office/powerpoint/2010/main" val="3915287661"/>
+        <p14:creationId xmlns:p14="http://schemas.microsoft.com/office/powerpoint/2010/main" val="691587198"/>
       </p:ext>
     </p:extLst>
   </p:cSld>
@@ -3363,212 +3774,8 @@
           <a:p>
             <a:r>
               <a:rPr lang="en-US" sz="2800" b="1" i="1" dirty="0"/>
-              <a:t>DATA CLEANING</a:t>
-            </a:r>
-            <a:endParaRPr lang="en-US" dirty="0"/>
-          </a:p>
-        </p:txBody>
-      </p:sp>
-      <p:pic>
-        <p:nvPicPr>
-          <p:cNvPr id="5" name="Picture 4">
-            <a:extLst>
-              <a:ext uri="{FF2B5EF4-FFF2-40B4-BE49-F238E27FC236}">
-                <a16:creationId xmlns:a16="http://schemas.microsoft.com/office/drawing/2014/main" id="{8D2C87ED-1CB8-485B-A18C-D2612E11A49D}"/>
-              </a:ext>
-            </a:extLst>
-          </p:cNvPr>
-          <p:cNvPicPr>
-            <a:picLocks noChangeAspect="1"/>
-          </p:cNvPicPr>
-          <p:nvPr/>
-        </p:nvPicPr>
-        <p:blipFill>
-          <a:blip r:embed="rId2"/>
-          <a:stretch>
-            <a:fillRect/>
-          </a:stretch>
-        </p:blipFill>
-        <p:spPr>
-          <a:xfrm>
-            <a:off x="5261316" y="1497807"/>
-            <a:ext cx="3557307" cy="1457325"/>
-          </a:xfrm>
-          <a:prstGeom prst="rect">
-            <a:avLst/>
-          </a:prstGeom>
-        </p:spPr>
-      </p:pic>
-      <p:sp>
-        <p:nvSpPr>
-          <p:cNvPr id="7" name="TextBox 6">
-            <a:extLst>
-              <a:ext uri="{FF2B5EF4-FFF2-40B4-BE49-F238E27FC236}">
-                <a16:creationId xmlns:a16="http://schemas.microsoft.com/office/drawing/2014/main" id="{28DA8295-2B1D-4DC4-AF0C-D72483B3BB40}"/>
-              </a:ext>
-            </a:extLst>
-          </p:cNvPr>
-          <p:cNvSpPr txBox="1"/>
-          <p:nvPr/>
-        </p:nvSpPr>
-        <p:spPr>
-          <a:xfrm>
-            <a:off x="561563" y="3109106"/>
-            <a:ext cx="7977525" cy="2246769"/>
-          </a:xfrm>
-          <a:prstGeom prst="rect">
-            <a:avLst/>
-          </a:prstGeom>
-          <a:noFill/>
-        </p:spPr>
-        <p:txBody>
-          <a:bodyPr wrap="square" rtlCol="0">
-            <a:spAutoFit/>
-          </a:bodyPr>
-          <a:lstStyle/>
-          <a:p>
-            <a:endParaRPr lang="en-US" sz="2000" dirty="0">
-              <a:solidFill>
-                <a:srgbClr val="000000"/>
-              </a:solidFill>
-            </a:endParaRPr>
-          </a:p>
-          <a:p>
-            <a:pPr marL="285750" indent="-285750">
-              <a:buFont typeface="Arial" panose="020B0604020202020204" pitchFamily="34" charset="0"/>
-              <a:buChar char="•"/>
-            </a:pPr>
-            <a:r>
-              <a:rPr lang="en-US" sz="2000" dirty="0">
-                <a:solidFill>
-                  <a:srgbClr val="000000"/>
-                </a:solidFill>
-              </a:rPr>
-              <a:t>Steps for Processing of Individual Datasets :-</a:t>
-            </a:r>
-          </a:p>
-          <a:p>
-            <a:pPr marL="742950" lvl="1" indent="-285750">
-              <a:buFont typeface="Arial" panose="020B0604020202020204" pitchFamily="34" charset="0"/>
-              <a:buChar char="•"/>
-            </a:pPr>
-            <a:r>
-              <a:rPr lang="en-US" sz="2000" dirty="0">
-                <a:solidFill>
-                  <a:srgbClr val="000000"/>
-                </a:solidFill>
-              </a:rPr>
-              <a:t>Importing Data Source</a:t>
-            </a:r>
-          </a:p>
-          <a:p>
-            <a:pPr marL="742950" lvl="1" indent="-285750">
-              <a:buFont typeface="Arial" panose="020B0604020202020204" pitchFamily="34" charset="0"/>
-              <a:buChar char="•"/>
-            </a:pPr>
-            <a:r>
-              <a:rPr lang="en-US" sz="2000" dirty="0">
-                <a:solidFill>
-                  <a:srgbClr val="000000"/>
-                </a:solidFill>
-              </a:rPr>
-              <a:t>Filtering / Faceting</a:t>
-            </a:r>
-          </a:p>
-          <a:p>
-            <a:pPr marL="742950" lvl="1" indent="-285750">
-              <a:buFont typeface="Arial" panose="020B0604020202020204" pitchFamily="34" charset="0"/>
-              <a:buChar char="•"/>
-            </a:pPr>
-            <a:r>
-              <a:rPr lang="en-US" sz="2000" dirty="0">
-                <a:solidFill>
-                  <a:srgbClr val="000000"/>
-                </a:solidFill>
-              </a:rPr>
-              <a:t>Clustering</a:t>
-            </a:r>
-          </a:p>
-          <a:p>
-            <a:pPr marL="742950" lvl="1" indent="-285750">
-              <a:buFont typeface="Arial" panose="020B0604020202020204" pitchFamily="34" charset="0"/>
-              <a:buChar char="•"/>
-            </a:pPr>
-            <a:r>
-              <a:rPr lang="en-US" sz="2000" dirty="0">
-                <a:solidFill>
-                  <a:srgbClr val="000000"/>
-                </a:solidFill>
-              </a:rPr>
-              <a:t>Usage Of Regular Expressions for manipulating data fields</a:t>
-            </a:r>
-          </a:p>
-          <a:p>
-            <a:pPr lvl="1"/>
-            <a:endParaRPr lang="en-US" sz="2000" dirty="0">
-              <a:solidFill>
-                <a:srgbClr val="000000"/>
-              </a:solidFill>
-            </a:endParaRPr>
-          </a:p>
-        </p:txBody>
-      </p:sp>
-      <p:sp>
-        <p:nvSpPr>
-          <p:cNvPr id="8" name="TextBox 7">
-            <a:extLst>
-              <a:ext uri="{FF2B5EF4-FFF2-40B4-BE49-F238E27FC236}">
-                <a16:creationId xmlns:a16="http://schemas.microsoft.com/office/drawing/2014/main" id="{B73F55D9-AA34-4C62-B1C3-CCBF99426770}"/>
-              </a:ext>
-            </a:extLst>
-          </p:cNvPr>
-          <p:cNvSpPr txBox="1"/>
-          <p:nvPr/>
-        </p:nvSpPr>
-        <p:spPr>
-          <a:xfrm>
-            <a:off x="561564" y="1781441"/>
-            <a:ext cx="5178054" cy="923330"/>
-          </a:xfrm>
-          <a:prstGeom prst="rect">
-            <a:avLst/>
-          </a:prstGeom>
-          <a:noFill/>
-        </p:spPr>
-        <p:txBody>
-          <a:bodyPr wrap="square" rtlCol="0">
-            <a:spAutoFit/>
-          </a:bodyPr>
-          <a:lstStyle/>
-          <a:p>
-            <a:pPr marL="285750" indent="-285750">
-              <a:buFont typeface="Arial" panose="020B0604020202020204" pitchFamily="34" charset="0"/>
-              <a:buChar char="•"/>
-            </a:pPr>
-            <a:r>
-              <a:rPr lang="en-US" dirty="0">
-                <a:solidFill>
-                  <a:srgbClr val="000000"/>
-                </a:solidFill>
-              </a:rPr>
-              <a:t>Powerful Tool for working with Messy Data</a:t>
-            </a:r>
-          </a:p>
-          <a:p>
-            <a:pPr marL="285750" indent="-285750">
-              <a:buFont typeface="Arial" panose="020B0604020202020204" pitchFamily="34" charset="0"/>
-              <a:buChar char="•"/>
-            </a:pPr>
-            <a:r>
-              <a:rPr lang="en-US" dirty="0">
-                <a:solidFill>
-                  <a:srgbClr val="000000"/>
-                </a:solidFill>
-              </a:rPr>
-              <a:t>Desktop application running on Port 3333</a:t>
-            </a:r>
-          </a:p>
-          <a:p>
+              <a:t>ONTOLOGICAL REPRESENTATION OF DATASETS</a:t>
+            </a:r>
             <a:endParaRPr lang="en-US" dirty="0"/>
           </a:p>
         </p:txBody>
@@ -3576,7 +3783,7 @@
     </p:spTree>
     <p:extLst>
       <p:ext uri="{BB962C8B-B14F-4D97-AF65-F5344CB8AC3E}">
-        <p14:creationId xmlns:p14="http://schemas.microsoft.com/office/powerpoint/2010/main" val="691587198"/>
+        <p14:creationId xmlns:p14="http://schemas.microsoft.com/office/powerpoint/2010/main" val="3915287661"/>
       </p:ext>
     </p:extLst>
   </p:cSld>
@@ -3618,7 +3825,7 @@
         <p:spPr>
           <a:xfrm>
             <a:off x="561564" y="226869"/>
-            <a:ext cx="7526216" cy="523220"/>
+            <a:ext cx="7526216" cy="369332"/>
           </a:xfrm>
           <a:prstGeom prst="rect">
             <a:avLst/>
@@ -3632,107 +3839,16 @@
           <a:lstStyle/>
           <a:p>
             <a:r>
-              <a:rPr lang="en-US" sz="2800" b="1" i="1" dirty="0"/>
-              <a:t>DATASET INTEGRATION</a:t>
-            </a:r>
-            <a:endParaRPr lang="en-US" dirty="0"/>
+              <a:rPr lang="en-US" dirty="0"/>
+              <a:t>TECHNICAL ARCHITECTURE</a:t>
+            </a:r>
           </a:p>
         </p:txBody>
       </p:sp>
-      <p:pic>
-        <p:nvPicPr>
-          <p:cNvPr id="3" name="Picture 2">
-            <a:extLst>
-              <a:ext uri="{FF2B5EF4-FFF2-40B4-BE49-F238E27FC236}">
-                <a16:creationId xmlns:a16="http://schemas.microsoft.com/office/drawing/2014/main" id="{3134472C-A18A-4B74-A6D5-1CC2B148207F}"/>
-              </a:ext>
-            </a:extLst>
-          </p:cNvPr>
-          <p:cNvPicPr>
-            <a:picLocks noChangeAspect="1"/>
-          </p:cNvPicPr>
-          <p:nvPr/>
-        </p:nvPicPr>
-        <p:blipFill>
-          <a:blip r:embed="rId2"/>
-          <a:stretch>
-            <a:fillRect/>
-          </a:stretch>
-        </p:blipFill>
-        <p:spPr>
-          <a:xfrm>
-            <a:off x="7271883" y="3822413"/>
-            <a:ext cx="1657643" cy="1657643"/>
-          </a:xfrm>
-          <a:prstGeom prst="rect">
-            <a:avLst/>
-          </a:prstGeom>
-        </p:spPr>
-      </p:pic>
-      <p:pic>
-        <p:nvPicPr>
-          <p:cNvPr id="5" name="Picture 4">
-            <a:extLst>
-              <a:ext uri="{FF2B5EF4-FFF2-40B4-BE49-F238E27FC236}">
-                <a16:creationId xmlns:a16="http://schemas.microsoft.com/office/drawing/2014/main" id="{DDC0A7F3-C249-4220-AB67-6666871AB4F8}"/>
-              </a:ext>
-            </a:extLst>
-          </p:cNvPr>
-          <p:cNvPicPr>
-            <a:picLocks noChangeAspect="1"/>
-          </p:cNvPicPr>
-          <p:nvPr/>
-        </p:nvPicPr>
-        <p:blipFill>
-          <a:blip r:embed="rId3"/>
-          <a:stretch>
-            <a:fillRect/>
-          </a:stretch>
-        </p:blipFill>
-        <p:spPr>
-          <a:xfrm>
-            <a:off x="1048000" y="750089"/>
-            <a:ext cx="7210908" cy="768810"/>
-          </a:xfrm>
-          <a:prstGeom prst="rect">
-            <a:avLst/>
-          </a:prstGeom>
-        </p:spPr>
-      </p:pic>
-      <p:pic>
-        <p:nvPicPr>
-          <p:cNvPr id="7" name="Picture 6">
-            <a:extLst>
-              <a:ext uri="{FF2B5EF4-FFF2-40B4-BE49-F238E27FC236}">
-                <a16:creationId xmlns:a16="http://schemas.microsoft.com/office/drawing/2014/main" id="{1C8BD378-5C5B-4592-A24B-05E1344E7E74}"/>
-              </a:ext>
-            </a:extLst>
-          </p:cNvPr>
-          <p:cNvPicPr>
-            <a:picLocks noChangeAspect="1"/>
-          </p:cNvPicPr>
-          <p:nvPr/>
-        </p:nvPicPr>
-        <p:blipFill>
-          <a:blip r:embed="rId4"/>
-          <a:stretch>
-            <a:fillRect/>
-          </a:stretch>
-        </p:blipFill>
-        <p:spPr>
-          <a:xfrm>
-            <a:off x="561564" y="1560146"/>
-            <a:ext cx="6543675" cy="4176566"/>
-          </a:xfrm>
-          <a:prstGeom prst="rect">
-            <a:avLst/>
-          </a:prstGeom>
-        </p:spPr>
-      </p:pic>
     </p:spTree>
     <p:extLst>
       <p:ext uri="{BB962C8B-B14F-4D97-AF65-F5344CB8AC3E}">
-        <p14:creationId xmlns:p14="http://schemas.microsoft.com/office/powerpoint/2010/main" val="379579964"/>
+        <p14:creationId xmlns:p14="http://schemas.microsoft.com/office/powerpoint/2010/main" val="2242053850"/>
       </p:ext>
     </p:extLst>
   </p:cSld>
@@ -3789,16 +3905,106 @@
           <a:p>
             <a:r>
               <a:rPr lang="en-US" sz="2800" b="1" i="1" dirty="0"/>
-              <a:t>DEFINING OBJECTS, PROPERTIES AND RELATIONS</a:t>
+              <a:t>DATASET INTEGRATION</a:t>
             </a:r>
             <a:endParaRPr lang="en-US" dirty="0"/>
           </a:p>
         </p:txBody>
       </p:sp>
+      <p:pic>
+        <p:nvPicPr>
+          <p:cNvPr id="3" name="Picture 2">
+            <a:extLst>
+              <a:ext uri="{FF2B5EF4-FFF2-40B4-BE49-F238E27FC236}">
+                <a16:creationId xmlns:a16="http://schemas.microsoft.com/office/drawing/2014/main" id="{3134472C-A18A-4B74-A6D5-1CC2B148207F}"/>
+              </a:ext>
+            </a:extLst>
+          </p:cNvPr>
+          <p:cNvPicPr>
+            <a:picLocks noChangeAspect="1"/>
+          </p:cNvPicPr>
+          <p:nvPr/>
+        </p:nvPicPr>
+        <p:blipFill>
+          <a:blip r:embed="rId2"/>
+          <a:stretch>
+            <a:fillRect/>
+          </a:stretch>
+        </p:blipFill>
+        <p:spPr>
+          <a:xfrm>
+            <a:off x="7271883" y="3822413"/>
+            <a:ext cx="1657643" cy="1657643"/>
+          </a:xfrm>
+          <a:prstGeom prst="rect">
+            <a:avLst/>
+          </a:prstGeom>
+        </p:spPr>
+      </p:pic>
+      <p:pic>
+        <p:nvPicPr>
+          <p:cNvPr id="5" name="Picture 4">
+            <a:extLst>
+              <a:ext uri="{FF2B5EF4-FFF2-40B4-BE49-F238E27FC236}">
+                <a16:creationId xmlns:a16="http://schemas.microsoft.com/office/drawing/2014/main" id="{DDC0A7F3-C249-4220-AB67-6666871AB4F8}"/>
+              </a:ext>
+            </a:extLst>
+          </p:cNvPr>
+          <p:cNvPicPr>
+            <a:picLocks noChangeAspect="1"/>
+          </p:cNvPicPr>
+          <p:nvPr/>
+        </p:nvPicPr>
+        <p:blipFill>
+          <a:blip r:embed="rId3"/>
+          <a:stretch>
+            <a:fillRect/>
+          </a:stretch>
+        </p:blipFill>
+        <p:spPr>
+          <a:xfrm>
+            <a:off x="1048000" y="750089"/>
+            <a:ext cx="7210908" cy="768810"/>
+          </a:xfrm>
+          <a:prstGeom prst="rect">
+            <a:avLst/>
+          </a:prstGeom>
+        </p:spPr>
+      </p:pic>
+      <p:pic>
+        <p:nvPicPr>
+          <p:cNvPr id="7" name="Picture 6">
+            <a:extLst>
+              <a:ext uri="{FF2B5EF4-FFF2-40B4-BE49-F238E27FC236}">
+                <a16:creationId xmlns:a16="http://schemas.microsoft.com/office/drawing/2014/main" id="{1C8BD378-5C5B-4592-A24B-05E1344E7E74}"/>
+              </a:ext>
+            </a:extLst>
+          </p:cNvPr>
+          <p:cNvPicPr>
+            <a:picLocks noChangeAspect="1"/>
+          </p:cNvPicPr>
+          <p:nvPr/>
+        </p:nvPicPr>
+        <p:blipFill>
+          <a:blip r:embed="rId4"/>
+          <a:stretch>
+            <a:fillRect/>
+          </a:stretch>
+        </p:blipFill>
+        <p:spPr>
+          <a:xfrm>
+            <a:off x="561564" y="1560146"/>
+            <a:ext cx="6543675" cy="4176566"/>
+          </a:xfrm>
+          <a:prstGeom prst="rect">
+            <a:avLst/>
+          </a:prstGeom>
+        </p:spPr>
+      </p:pic>
     </p:spTree>
     <p:extLst>
       <p:ext uri="{BB962C8B-B14F-4D97-AF65-F5344CB8AC3E}">
-        <p14:creationId xmlns:p14="http://schemas.microsoft.com/office/powerpoint/2010/main" val="1049335532"/>
+        <p14:creationId xmlns:p14="http://schemas.microsoft.com/office/powerpoint/2010/main" val="379579964"/>
       </p:ext>
     </p:extLst>
   </p:cSld>
